--- a/Сессия8/Учебная практика по модулю.pptx
+++ b/Сессия8/Учебная практика по модулю.pptx
@@ -3181,7 +3181,7 @@
           <p:cNvPr id="5" name="Picture 14" descr="touch-icon-ipad-retina">
             <a:extLst>
               <a:ext uri="{FF2B5EF4-FFF2-40B4-BE49-F238E27FC236}">
-                <a16:creationId xmlns="" xmlns:a16="http://schemas.microsoft.com/office/drawing/2014/main" id="{3F50CCB7-BCFB-4B90-80AF-73B2EABBCD7E}"/>
+                <a16:creationId xmlns:a16="http://schemas.microsoft.com/office/drawing/2014/main" xmlns="" id="{3F50CCB7-BCFB-4B90-80AF-73B2EABBCD7E}"/>
               </a:ext>
             </a:extLst>
           </p:cNvPr>
@@ -3533,31 +3533,7 @@
               <a:rPr lang="ru-RU" sz="2000" dirty="0" smtClean="0">
                 <a:latin typeface="+mn-lt"/>
               </a:rPr>
-              <a:t>УЧЕБНАЯ </a:t>
-            </a:r>
-            <a:r>
-              <a:rPr lang="ru-RU" sz="2000" dirty="0" smtClean="0">
-                <a:latin typeface="+mn-lt"/>
-              </a:rPr>
-              <a:t>ПРАКТИКА </a:t>
-            </a:r>
-            <a:r>
-              <a:rPr lang="ru-RU" sz="2000" dirty="0" smtClean="0">
-                <a:latin typeface="+mn-lt"/>
-              </a:rPr>
-              <a:t>ПО МОДУЛЮ ПM 01. РАЗРАБОТКА МОДУЛЕЙ ПРОГРАММНОГО </a:t>
-            </a:r>
-            <a:r>
-              <a:rPr lang="ru-RU" sz="2000" dirty="0" smtClean="0">
-                <a:latin typeface="+mn-lt"/>
-              </a:rPr>
-              <a:t>ОБЕСПЕЧЕНИЯ ДЛЯ </a:t>
-            </a:r>
-            <a:r>
-              <a:rPr lang="ru-RU" sz="2000" dirty="0" smtClean="0">
-                <a:latin typeface="+mn-lt"/>
-              </a:rPr>
-              <a:t>КОМПЬЮТЕРНЫХ СИСТЕМ</a:t>
+              <a:t>УЧЕБНАЯ ПРАКТИКА ПО МОДУЛЮ ПM 01. РАЗРАБОТКА МОДУЛЕЙ ПРОГРАММНОГО ОБЕСПЕЧЕНИЯ ДЛЯ КОМПЬЮТЕРНЫХ СИСТЕМ</a:t>
             </a:r>
             <a:endParaRPr lang="ru-RU" sz="2000" dirty="0">
               <a:latin typeface="+mn-lt"/>
@@ -3833,10 +3809,10 @@
               <a:buNone/>
             </a:pPr>
             <a:r>
-              <a:rPr lang="en-US" dirty="0" smtClean="0">
+              <a:rPr lang="en-US" dirty="0">
                 <a:hlinkClick r:id="rId2"/>
               </a:rPr>
-              <a:t>https://github.com/KseniaMar24/Practika2025</a:t>
+              <a:t>https://github.com/KseniaMar24/practikaPM01-2025</a:t>
             </a:r>
             <a:endParaRPr lang="ru-RU" dirty="0"/>
           </a:p>
